--- a/Documentacion/2 Etapa/Presentacion Etapa 2.pptx
+++ b/Documentacion/2 Etapa/Presentacion Etapa 2.pptx
@@ -12,8 +12,12 @@
     <p:sldId id="280" r:id="rId6"/>
     <p:sldId id="258" r:id="rId7"/>
     <p:sldId id="281" r:id="rId8"/>
-    <p:sldId id="274" r:id="rId9"/>
-    <p:sldId id="278" r:id="rId10"/>
+    <p:sldId id="284" r:id="rId9"/>
+    <p:sldId id="283" r:id="rId10"/>
+    <p:sldId id="282" r:id="rId11"/>
+    <p:sldId id="274" r:id="rId12"/>
+    <p:sldId id="285" r:id="rId13"/>
+    <p:sldId id="278" r:id="rId14"/>
   </p:sldIdLst>
   <p:sldSz cx="12192000" cy="6858000"/>
   <p:notesSz cx="6858000" cy="9144000"/>
@@ -114,7 +118,7 @@
   </p:defaultTextStyle>
   <p:extLst>
     <p:ext uri="{EFAFB233-063F-42B5-8137-9DF3F51BA10A}">
-      <p15:sldGuideLst xmlns="" xmlns:p15="http://schemas.microsoft.com/office/powerpoint/2012/main"/>
+      <p15:sldGuideLst xmlns:p15="http://schemas.microsoft.com/office/powerpoint/2012/main" xmlns=""/>
     </p:ext>
   </p:extLst>
 </p:presentation>
@@ -12357,7 +12361,7 @@
           <p:cNvPr id="2" name="Título 1">
             <a:extLst>
               <a:ext uri="{FF2B5EF4-FFF2-40B4-BE49-F238E27FC236}">
-                <a16:creationId xmlns:a16="http://schemas.microsoft.com/office/drawing/2014/main" xmlns="" id="{F00F1C45-C865-4935-94E7-572362398874}"/>
+                <a16:creationId xmlns="" xmlns:a16="http://schemas.microsoft.com/office/drawing/2014/main" id="{F00F1C45-C865-4935-94E7-572362398874}"/>
               </a:ext>
             </a:extLst>
           </p:cNvPr>
@@ -12402,7 +12406,7 @@
           <p:cNvPr id="3" name="Subtítulo 2">
             <a:extLst>
               <a:ext uri="{FF2B5EF4-FFF2-40B4-BE49-F238E27FC236}">
-                <a16:creationId xmlns:a16="http://schemas.microsoft.com/office/drawing/2014/main" xmlns="" id="{A1F7E72A-14F6-4067-B4D3-62DF07BDCA2F}"/>
+                <a16:creationId xmlns="" xmlns:a16="http://schemas.microsoft.com/office/drawing/2014/main" id="{A1F7E72A-14F6-4067-B4D3-62DF07BDCA2F}"/>
               </a:ext>
             </a:extLst>
           </p:cNvPr>
@@ -12458,7 +12462,7 @@
           <p:cNvPr id="5" name="Imagen 4">
             <a:extLst>
               <a:ext uri="{FF2B5EF4-FFF2-40B4-BE49-F238E27FC236}">
-                <a16:creationId xmlns:a16="http://schemas.microsoft.com/office/drawing/2014/main" xmlns="" id="{D9D1671C-CA93-4A23-A749-B712B244B4DC}"/>
+                <a16:creationId xmlns="" xmlns:a16="http://schemas.microsoft.com/office/drawing/2014/main" id="{D9D1671C-CA93-4A23-A749-B712B244B4DC}"/>
               </a:ext>
             </a:extLst>
           </p:cNvPr>
@@ -12496,612 +12500,7 @@
 </p:sld>
 </file>
 
-<file path=ppt/slides/slide2.xml><?xml version="1.0" encoding="utf-8"?>
-<p:sld xmlns:a="http://schemas.openxmlformats.org/drawingml/2006/main" xmlns:r="http://schemas.openxmlformats.org/officeDocument/2006/relationships" xmlns:p="http://schemas.openxmlformats.org/presentationml/2006/main">
-  <p:cSld>
-    <p:spTree>
-      <p:nvGrpSpPr>
-        <p:cNvPr id="1" name=""/>
-        <p:cNvGrpSpPr/>
-        <p:nvPr/>
-      </p:nvGrpSpPr>
-      <p:grpSpPr>
-        <a:xfrm>
-          <a:off x="0" y="0"/>
-          <a:ext cx="0" cy="0"/>
-          <a:chOff x="0" y="0"/>
-          <a:chExt cx="0" cy="0"/>
-        </a:xfrm>
-      </p:grpSpPr>
-      <p:sp>
-        <p:nvSpPr>
-          <p:cNvPr id="2" name="Título 1">
-            <a:extLst>
-              <a:ext uri="{FF2B5EF4-FFF2-40B4-BE49-F238E27FC236}">
-                <a16:creationId xmlns:a16="http://schemas.microsoft.com/office/drawing/2014/main" xmlns="" id="{75284E46-0A42-48E3-8035-992BC5F52B19}"/>
-              </a:ext>
-            </a:extLst>
-          </p:cNvPr>
-          <p:cNvSpPr>
-            <a:spLocks noGrp="1"/>
-          </p:cNvSpPr>
-          <p:nvPr>
-            <p:ph type="title"/>
-          </p:nvPr>
-        </p:nvSpPr>
-        <p:spPr>
-          <a:xfrm>
-            <a:off x="1141413" y="0"/>
-            <a:ext cx="9905998" cy="1478570"/>
-          </a:xfrm>
-        </p:spPr>
-        <p:txBody>
-          <a:bodyPr/>
-          <a:lstStyle/>
-          <a:p>
-            <a:pPr algn="ctr"/>
-            <a:r>
-              <a:rPr lang="es-CL" dirty="0" smtClean="0"/>
-              <a:t>CONTENIDOS</a:t>
-            </a:r>
-            <a:endParaRPr lang="es-CL" dirty="0"/>
-          </a:p>
-        </p:txBody>
-      </p:sp>
-      <p:sp>
-        <p:nvSpPr>
-          <p:cNvPr id="3" name="2 CuadroTexto"/>
-          <p:cNvSpPr txBox="1"/>
-          <p:nvPr/>
-        </p:nvSpPr>
-        <p:spPr>
-          <a:xfrm>
-            <a:off x="1268361" y="2123768"/>
-            <a:ext cx="9512710" cy="2246769"/>
-          </a:xfrm>
-          <a:prstGeom prst="rect">
-            <a:avLst/>
-          </a:prstGeom>
-          <a:noFill/>
-        </p:spPr>
-        <p:txBody>
-          <a:bodyPr wrap="square" rtlCol="0">
-            <a:spAutoFit/>
-          </a:bodyPr>
-          <a:lstStyle/>
-          <a:p>
-            <a:pPr marL="285750" indent="-285750">
-              <a:buFont typeface="Arial" panose="020B0604020202020204" pitchFamily="34" charset="0"/>
-              <a:buChar char="•"/>
-            </a:pPr>
-            <a:r>
-              <a:rPr lang="es-CL" sz="2800" dirty="0" smtClean="0"/>
-              <a:t>INTRODUCCION BASE DE DATOS</a:t>
-            </a:r>
-          </a:p>
-          <a:p>
-            <a:pPr marL="285750" indent="-285750">
-              <a:buFont typeface="Arial" panose="020B0604020202020204" pitchFamily="34" charset="0"/>
-              <a:buChar char="•"/>
-            </a:pPr>
-            <a:r>
-              <a:rPr lang="es-CL" sz="2800" dirty="0" smtClean="0"/>
-              <a:t>MODIFICACIONES REALIZADAS AL MODELO</a:t>
-            </a:r>
-          </a:p>
-          <a:p>
-            <a:pPr marL="285750" indent="-285750">
-              <a:buFont typeface="Arial" panose="020B0604020202020204" pitchFamily="34" charset="0"/>
-              <a:buChar char="•"/>
-            </a:pPr>
-            <a:r>
-              <a:rPr lang="es-CL" sz="2800" dirty="0" smtClean="0"/>
-              <a:t>DESCRIPCIÓN DEL MODELO FINAL IMPLEMENTADO</a:t>
-            </a:r>
-          </a:p>
-          <a:p>
-            <a:pPr marL="285750" indent="-285750">
-              <a:buFont typeface="Arial" panose="020B0604020202020204" pitchFamily="34" charset="0"/>
-              <a:buChar char="•"/>
-            </a:pPr>
-            <a:r>
-              <a:rPr lang="es-CL" sz="2800" dirty="0" smtClean="0"/>
-              <a:t>EXPOSICIÓN PRÁCTICA APLICACIÓN WEB</a:t>
-            </a:r>
-          </a:p>
-          <a:p>
-            <a:pPr marL="285750" indent="-285750">
-              <a:buFont typeface="Arial" panose="020B0604020202020204" pitchFamily="34" charset="0"/>
-              <a:buChar char="•"/>
-            </a:pPr>
-            <a:r>
-              <a:rPr lang="es-CL" sz="2800" dirty="0" smtClean="0"/>
-              <a:t>EXPOSICIÓN PRÁCTICA APLICACIÓN DE ESCRITORIO</a:t>
-            </a:r>
-            <a:endParaRPr lang="es-CL" sz="2800" dirty="0"/>
-          </a:p>
-        </p:txBody>
-      </p:sp>
-    </p:spTree>
-    <p:extLst>
-      <p:ext uri="{BB962C8B-B14F-4D97-AF65-F5344CB8AC3E}">
-        <p14:creationId xmlns:p14="http://schemas.microsoft.com/office/powerpoint/2010/main" val="241944868"/>
-      </p:ext>
-    </p:extLst>
-  </p:cSld>
-  <p:clrMapOvr>
-    <a:masterClrMapping/>
-  </p:clrMapOvr>
-</p:sld>
-</file>
-
-<file path=ppt/slides/slide3.xml><?xml version="1.0" encoding="utf-8"?>
-<p:sld xmlns:a="http://schemas.openxmlformats.org/drawingml/2006/main" xmlns:r="http://schemas.openxmlformats.org/officeDocument/2006/relationships" xmlns:p="http://schemas.openxmlformats.org/presentationml/2006/main">
-  <p:cSld>
-    <p:spTree>
-      <p:nvGrpSpPr>
-        <p:cNvPr id="1" name=""/>
-        <p:cNvGrpSpPr/>
-        <p:nvPr/>
-      </p:nvGrpSpPr>
-      <p:grpSpPr>
-        <a:xfrm>
-          <a:off x="0" y="0"/>
-          <a:ext cx="0" cy="0"/>
-          <a:chOff x="0" y="0"/>
-          <a:chExt cx="0" cy="0"/>
-        </a:xfrm>
-      </p:grpSpPr>
-      <p:sp>
-        <p:nvSpPr>
-          <p:cNvPr id="2" name="Título 1"/>
-          <p:cNvSpPr>
-            <a:spLocks noGrp="1"/>
-          </p:cNvSpPr>
-          <p:nvPr>
-            <p:ph type="title"/>
-          </p:nvPr>
-        </p:nvSpPr>
-        <p:spPr/>
-        <p:txBody>
-          <a:bodyPr/>
-          <a:lstStyle/>
-          <a:p>
-            <a:pPr algn="ctr"/>
-            <a:r>
-              <a:rPr lang="es-CL" dirty="0"/>
-              <a:t>Base de Datos General</a:t>
-            </a:r>
-            <a:endParaRPr lang="es-ES" dirty="0"/>
-          </a:p>
-        </p:txBody>
-      </p:sp>
-      <p:sp>
-        <p:nvSpPr>
-          <p:cNvPr id="4" name="3 CuadroTexto"/>
-          <p:cNvSpPr txBox="1"/>
-          <p:nvPr/>
-        </p:nvSpPr>
-        <p:spPr>
-          <a:xfrm>
-            <a:off x="1386348" y="2020529"/>
-            <a:ext cx="9896168" cy="4154984"/>
-          </a:xfrm>
-          <a:prstGeom prst="rect">
-            <a:avLst/>
-          </a:prstGeom>
-          <a:noFill/>
-        </p:spPr>
-        <p:txBody>
-          <a:bodyPr wrap="square" rtlCol="0">
-            <a:spAutoFit/>
-          </a:bodyPr>
-          <a:lstStyle/>
-          <a:p>
-            <a:r>
-              <a:rPr lang="es-CL" sz="2400" dirty="0" smtClean="0"/>
-              <a:t>PRINCIPALES PROBLEMAS Y DIFICULTADES</a:t>
-            </a:r>
-          </a:p>
-          <a:p>
-            <a:pPr marL="285750" indent="-285750">
-              <a:buFont typeface="Arial" panose="020B0604020202020204" pitchFamily="34" charset="0"/>
-              <a:buChar char="•"/>
-            </a:pPr>
-            <a:r>
-              <a:rPr lang="es-CL" sz="2400" dirty="0" smtClean="0"/>
-              <a:t>CLAVES PRIMARIAS NO POSEEN IDENTIDAD AUTONUMÉRICA</a:t>
-            </a:r>
-          </a:p>
-          <a:p>
-            <a:pPr marL="285750" indent="-285750">
-              <a:buFont typeface="Arial" panose="020B0604020202020204" pitchFamily="34" charset="0"/>
-              <a:buChar char="•"/>
-            </a:pPr>
-            <a:r>
-              <a:rPr lang="es-CL" sz="2400" dirty="0" smtClean="0"/>
-              <a:t>DIFICULTAD PARA IMPLEMENTAR PROCEDIMIENTOS ALMACENADOS</a:t>
-            </a:r>
-          </a:p>
-          <a:p>
-            <a:pPr marL="285750" indent="-285750">
-              <a:buFont typeface="Arial" panose="020B0604020202020204" pitchFamily="34" charset="0"/>
-              <a:buChar char="•"/>
-            </a:pPr>
-            <a:r>
-              <a:rPr lang="es-CL" sz="2400" dirty="0" smtClean="0"/>
-              <a:t>PROBLEMAS AL MODIFICAR MODELO DE DATOS.</a:t>
-            </a:r>
-          </a:p>
-          <a:p>
-            <a:endParaRPr lang="es-CL" sz="2400" dirty="0" smtClean="0"/>
-          </a:p>
-          <a:p>
-            <a:r>
-              <a:rPr lang="es-CL" sz="2400" dirty="0" smtClean="0"/>
-              <a:t>PIEZAS DESARROLLADAS EN BASE DE DATOS</a:t>
-            </a:r>
-          </a:p>
-          <a:p>
-            <a:pPr marL="285750" indent="-285750">
-              <a:buFont typeface="Arial" panose="020B0604020202020204" pitchFamily="34" charset="0"/>
-              <a:buChar char="•"/>
-            </a:pPr>
-            <a:r>
-              <a:rPr lang="es-CL" sz="2400" dirty="0" smtClean="0"/>
-              <a:t>TABLAS</a:t>
-            </a:r>
-          </a:p>
-          <a:p>
-            <a:pPr marL="285750" indent="-285750">
-              <a:buFont typeface="Arial" panose="020B0604020202020204" pitchFamily="34" charset="0"/>
-              <a:buChar char="•"/>
-            </a:pPr>
-            <a:r>
-              <a:rPr lang="es-CL" sz="2400" dirty="0" smtClean="0"/>
-              <a:t>RELACIONES DE FK</a:t>
-            </a:r>
-          </a:p>
-          <a:p>
-            <a:pPr marL="285750" indent="-285750">
-              <a:buFont typeface="Arial" panose="020B0604020202020204" pitchFamily="34" charset="0"/>
-              <a:buChar char="•"/>
-            </a:pPr>
-            <a:r>
-              <a:rPr lang="es-CL" sz="2400" dirty="0" smtClean="0"/>
-              <a:t>SECUENCIAS DE PK</a:t>
-            </a:r>
-          </a:p>
-          <a:p>
-            <a:pPr marL="285750" indent="-285750">
-              <a:buFont typeface="Arial" panose="020B0604020202020204" pitchFamily="34" charset="0"/>
-              <a:buChar char="•"/>
-            </a:pPr>
-            <a:r>
-              <a:rPr lang="es-CL" sz="2400" dirty="0" smtClean="0"/>
-              <a:t>TRIGGERS ASOCIADOS A SECUENCIA – PK</a:t>
-            </a:r>
-          </a:p>
-          <a:p>
-            <a:pPr marL="285750" indent="-285750">
-              <a:buFont typeface="Arial" panose="020B0604020202020204" pitchFamily="34" charset="0"/>
-              <a:buChar char="•"/>
-            </a:pPr>
-            <a:r>
-              <a:rPr lang="es-CL" sz="2400" dirty="0" smtClean="0"/>
-              <a:t>POBLAMIENTO DE TABLAS BASE</a:t>
-            </a:r>
-            <a:endParaRPr lang="es-CL" sz="2400" dirty="0"/>
-          </a:p>
-        </p:txBody>
-      </p:sp>
-    </p:spTree>
-    <p:extLst>
-      <p:ext uri="{BB962C8B-B14F-4D97-AF65-F5344CB8AC3E}">
-        <p14:creationId xmlns:p14="http://schemas.microsoft.com/office/powerpoint/2010/main" val="745592377"/>
-      </p:ext>
-    </p:extLst>
-  </p:cSld>
-  <p:clrMapOvr>
-    <a:masterClrMapping/>
-  </p:clrMapOvr>
-</p:sld>
-</file>
-
-<file path=ppt/slides/slide4.xml><?xml version="1.0" encoding="utf-8"?>
-<p:sld xmlns:a="http://schemas.openxmlformats.org/drawingml/2006/main" xmlns:r="http://schemas.openxmlformats.org/officeDocument/2006/relationships" xmlns:p="http://schemas.openxmlformats.org/presentationml/2006/main">
-  <p:cSld>
-    <p:spTree>
-      <p:nvGrpSpPr>
-        <p:cNvPr id="1" name=""/>
-        <p:cNvGrpSpPr/>
-        <p:nvPr/>
-      </p:nvGrpSpPr>
-      <p:grpSpPr>
-        <a:xfrm>
-          <a:off x="0" y="0"/>
-          <a:ext cx="0" cy="0"/>
-          <a:chOff x="0" y="0"/>
-          <a:chExt cx="0" cy="0"/>
-        </a:xfrm>
-      </p:grpSpPr>
-      <p:sp>
-        <p:nvSpPr>
-          <p:cNvPr id="2" name="Título 1"/>
-          <p:cNvSpPr>
-            <a:spLocks noGrp="1"/>
-          </p:cNvSpPr>
-          <p:nvPr>
-            <p:ph type="title"/>
-          </p:nvPr>
-        </p:nvSpPr>
-        <p:spPr>
-          <a:xfrm>
-            <a:off x="1141413" y="618518"/>
-            <a:ext cx="9905998" cy="944811"/>
-          </a:xfrm>
-        </p:spPr>
-        <p:txBody>
-          <a:bodyPr/>
-          <a:lstStyle/>
-          <a:p>
-            <a:pPr algn="ctr"/>
-            <a:r>
-              <a:rPr lang="es-CL" dirty="0" smtClean="0"/>
-              <a:t>MODIFICACIONES AL MODELO</a:t>
-            </a:r>
-            <a:endParaRPr lang="es-ES" dirty="0"/>
-          </a:p>
-        </p:txBody>
-      </p:sp>
-      <p:sp>
-        <p:nvSpPr>
-          <p:cNvPr id="4" name="3 CuadroTexto"/>
-          <p:cNvSpPr txBox="1"/>
-          <p:nvPr/>
-        </p:nvSpPr>
-        <p:spPr>
-          <a:xfrm>
-            <a:off x="1386348" y="2020529"/>
-            <a:ext cx="9896168" cy="4031873"/>
-          </a:xfrm>
-          <a:prstGeom prst="rect">
-            <a:avLst/>
-          </a:prstGeom>
-          <a:noFill/>
-        </p:spPr>
-        <p:txBody>
-          <a:bodyPr wrap="square" rtlCol="0">
-            <a:spAutoFit/>
-          </a:bodyPr>
-          <a:lstStyle/>
-          <a:p>
-            <a:r>
-              <a:rPr lang="es-CL" sz="3200" dirty="0" smtClean="0"/>
-              <a:t>PRIMERA VERSION</a:t>
-            </a:r>
-          </a:p>
-          <a:p>
-            <a:pPr marL="285750" indent="-285750">
-              <a:buFont typeface="Arial" panose="020B0604020202020204" pitchFamily="34" charset="0"/>
-              <a:buChar char="•"/>
-            </a:pPr>
-            <a:r>
-              <a:rPr lang="es-CL" sz="3200" dirty="0" smtClean="0"/>
-              <a:t>SE MODIFICA EL PLANTEAMIENTO DE TABLAS POR TIPO DE ENTIDAD, POR TABLA UNICA CON ROLES DIFERENCIADOS</a:t>
-            </a:r>
-          </a:p>
-          <a:p>
-            <a:pPr marL="285750" indent="-285750">
-              <a:buFont typeface="Arial" panose="020B0604020202020204" pitchFamily="34" charset="0"/>
-              <a:buChar char="•"/>
-            </a:pPr>
-            <a:r>
-              <a:rPr lang="es-CL" sz="3200" dirty="0" smtClean="0"/>
-              <a:t>SE IMPLEMENTAN TABLAS ASOCIADAS AL MANEJO FINANCIERO</a:t>
-            </a:r>
-          </a:p>
-          <a:p>
-            <a:pPr marL="285750" indent="-285750">
-              <a:buFont typeface="Arial" panose="020B0604020202020204" pitchFamily="34" charset="0"/>
-              <a:buChar char="•"/>
-            </a:pPr>
-            <a:r>
-              <a:rPr lang="es-CL" sz="3200" dirty="0" smtClean="0"/>
-              <a:t>SE MODIFICA EL MODELO DE RESERVA Y DE ORDENES DE PEDIDO</a:t>
-            </a:r>
-          </a:p>
-        </p:txBody>
-      </p:sp>
-    </p:spTree>
-    <p:extLst>
-      <p:ext uri="{BB962C8B-B14F-4D97-AF65-F5344CB8AC3E}">
-        <p14:creationId xmlns:p14="http://schemas.microsoft.com/office/powerpoint/2010/main" val="1623618059"/>
-      </p:ext>
-    </p:extLst>
-  </p:cSld>
-  <p:clrMapOvr>
-    <a:masterClrMapping/>
-  </p:clrMapOvr>
-</p:sld>
-</file>
-
-<file path=ppt/slides/slide5.xml><?xml version="1.0" encoding="utf-8"?>
-<p:sld xmlns:a="http://schemas.openxmlformats.org/drawingml/2006/main" xmlns:r="http://schemas.openxmlformats.org/officeDocument/2006/relationships" xmlns:p="http://schemas.openxmlformats.org/presentationml/2006/main">
-  <p:cSld>
-    <p:spTree>
-      <p:nvGrpSpPr>
-        <p:cNvPr id="1" name=""/>
-        <p:cNvGrpSpPr/>
-        <p:nvPr/>
-      </p:nvGrpSpPr>
-      <p:grpSpPr>
-        <a:xfrm>
-          <a:off x="0" y="0"/>
-          <a:ext cx="0" cy="0"/>
-          <a:chOff x="0" y="0"/>
-          <a:chExt cx="0" cy="0"/>
-        </a:xfrm>
-      </p:grpSpPr>
-      <p:sp>
-        <p:nvSpPr>
-          <p:cNvPr id="2" name="Título 1"/>
-          <p:cNvSpPr>
-            <a:spLocks noGrp="1"/>
-          </p:cNvSpPr>
-          <p:nvPr>
-            <p:ph type="title"/>
-          </p:nvPr>
-        </p:nvSpPr>
-        <p:spPr>
-          <a:xfrm>
-            <a:off x="1141413" y="618518"/>
-            <a:ext cx="9905998" cy="944811"/>
-          </a:xfrm>
-        </p:spPr>
-        <p:txBody>
-          <a:bodyPr/>
-          <a:lstStyle/>
-          <a:p>
-            <a:pPr algn="ctr"/>
-            <a:r>
-              <a:rPr lang="es-CL" dirty="0" smtClean="0"/>
-              <a:t>MODIFICACIONES AL MODELO</a:t>
-            </a:r>
-            <a:endParaRPr lang="es-ES" dirty="0"/>
-          </a:p>
-        </p:txBody>
-      </p:sp>
-      <p:sp>
-        <p:nvSpPr>
-          <p:cNvPr id="4" name="3 CuadroTexto"/>
-          <p:cNvSpPr txBox="1"/>
-          <p:nvPr/>
-        </p:nvSpPr>
-        <p:spPr>
-          <a:xfrm>
-            <a:off x="1386348" y="2020529"/>
-            <a:ext cx="9896168" cy="2554545"/>
-          </a:xfrm>
-          <a:prstGeom prst="rect">
-            <a:avLst/>
-          </a:prstGeom>
-          <a:noFill/>
-        </p:spPr>
-        <p:txBody>
-          <a:bodyPr wrap="square" rtlCol="0">
-            <a:spAutoFit/>
-          </a:bodyPr>
-          <a:lstStyle/>
-          <a:p>
-            <a:r>
-              <a:rPr lang="es-CL" sz="3200" dirty="0"/>
-              <a:t>SEGUNDA VERSION</a:t>
-            </a:r>
-          </a:p>
-          <a:p>
-            <a:pPr marL="285750" indent="-285750">
-              <a:buFont typeface="Arial" panose="020B0604020202020204" pitchFamily="34" charset="0"/>
-              <a:buChar char="•"/>
-            </a:pPr>
-            <a:r>
-              <a:rPr lang="es-CL" sz="3200" dirty="0"/>
-              <a:t>SE RETORNA AL MODELO ORIGINAL DE TABLAS POR TIPO DE ENTIDAD</a:t>
-            </a:r>
-          </a:p>
-          <a:p>
-            <a:pPr marL="285750" indent="-285750">
-              <a:buFont typeface="Arial" panose="020B0604020202020204" pitchFamily="34" charset="0"/>
-              <a:buChar char="•"/>
-            </a:pPr>
-            <a:r>
-              <a:rPr lang="es-CL" sz="3200" dirty="0"/>
-              <a:t>INCORPORA MODELO PARA EL MANEJO DEL SERVICIO COMEDOR</a:t>
-            </a:r>
-          </a:p>
-        </p:txBody>
-      </p:sp>
-    </p:spTree>
-    <p:extLst>
-      <p:ext uri="{BB962C8B-B14F-4D97-AF65-F5344CB8AC3E}">
-        <p14:creationId xmlns:p14="http://schemas.microsoft.com/office/powerpoint/2010/main" val="2289360965"/>
-      </p:ext>
-    </p:extLst>
-  </p:cSld>
-  <p:clrMapOvr>
-    <a:masterClrMapping/>
-  </p:clrMapOvr>
-</p:sld>
-</file>
-
-<file path=ppt/slides/slide6.xml><?xml version="1.0" encoding="utf-8"?>
-<p:sld xmlns:a="http://schemas.openxmlformats.org/drawingml/2006/main" xmlns:r="http://schemas.openxmlformats.org/officeDocument/2006/relationships" xmlns:p="http://schemas.openxmlformats.org/presentationml/2006/main">
-  <p:cSld>
-    <p:spTree>
-      <p:nvGrpSpPr>
-        <p:cNvPr id="1" name=""/>
-        <p:cNvGrpSpPr/>
-        <p:nvPr/>
-      </p:nvGrpSpPr>
-      <p:grpSpPr>
-        <a:xfrm>
-          <a:off x="0" y="0"/>
-          <a:ext cx="0" cy="0"/>
-          <a:chOff x="0" y="0"/>
-          <a:chExt cx="0" cy="0"/>
-        </a:xfrm>
-      </p:grpSpPr>
-      <p:sp>
-        <p:nvSpPr>
-          <p:cNvPr id="2" name="Título 1">
-            <a:extLst>
-              <a:ext uri="{FF2B5EF4-FFF2-40B4-BE49-F238E27FC236}">
-                <a16:creationId xmlns:a16="http://schemas.microsoft.com/office/drawing/2014/main" xmlns="" id="{5BA0D553-22A3-4E10-A582-38C3CDC203AB}"/>
-              </a:ext>
-            </a:extLst>
-          </p:cNvPr>
-          <p:cNvSpPr>
-            <a:spLocks noGrp="1"/>
-          </p:cNvSpPr>
-          <p:nvPr>
-            <p:ph type="title"/>
-          </p:nvPr>
-        </p:nvSpPr>
-        <p:spPr>
-          <a:xfrm>
-            <a:off x="1143001" y="2544033"/>
-            <a:ext cx="9905998" cy="1632313"/>
-          </a:xfrm>
-        </p:spPr>
-        <p:txBody>
-          <a:bodyPr>
-            <a:normAutofit/>
-          </a:bodyPr>
-          <a:lstStyle/>
-          <a:p>
-            <a:pPr algn="ctr"/>
-            <a:r>
-              <a:rPr lang="es-CL" sz="5400" dirty="0" smtClean="0"/>
-              <a:t>DETALLE DEL MODELO FINAL</a:t>
-            </a:r>
-            <a:endParaRPr lang="es-CL" sz="5400" dirty="0"/>
-          </a:p>
-        </p:txBody>
-      </p:sp>
-    </p:spTree>
-    <p:extLst>
-      <p:ext uri="{BB962C8B-B14F-4D97-AF65-F5344CB8AC3E}">
-        <p14:creationId xmlns:p14="http://schemas.microsoft.com/office/powerpoint/2010/main" val="3306134226"/>
-      </p:ext>
-    </p:extLst>
-  </p:cSld>
-  <p:clrMapOvr>
-    <a:masterClrMapping/>
-  </p:clrMapOvr>
-</p:sld>
-</file>
-
-<file path=ppt/slides/slide7.xml><?xml version="1.0" encoding="utf-8"?>
+<file path=ppt/slides/slide10.xml><?xml version="1.0" encoding="utf-8"?>
 <p:sld xmlns:a="http://schemas.openxmlformats.org/drawingml/2006/main" xmlns:r="http://schemas.openxmlformats.org/officeDocument/2006/relationships" xmlns:p="http://schemas.openxmlformats.org/presentationml/2006/main">
   <p:cSld>
     <p:spTree>
@@ -13128,19 +12527,82 @@
             <p:ph type="title"/>
           </p:nvPr>
         </p:nvSpPr>
-        <p:spPr/>
+        <p:spPr>
+          <a:xfrm>
+            <a:off x="1141413" y="618518"/>
+            <a:ext cx="9905998" cy="1012162"/>
+          </a:xfrm>
+        </p:spPr>
         <p:txBody>
           <a:bodyPr/>
           <a:lstStyle/>
           <a:p>
-            <a:endParaRPr lang="es-CL"/>
+            <a:r>
+              <a:rPr lang="es-CL" dirty="0" smtClean="0"/>
+              <a:t>Diagrama 4: manejo financiero</a:t>
+            </a:r>
+            <a:endParaRPr lang="es-CL" dirty="0"/>
           </a:p>
         </p:txBody>
       </p:sp>
+      <p:pic>
+        <p:nvPicPr>
+          <p:cNvPr id="4098" name="Picture 2"/>
+          <p:cNvPicPr>
+            <a:picLocks noChangeAspect="1" noChangeArrowheads="1"/>
+          </p:cNvPicPr>
+          <p:nvPr/>
+        </p:nvPicPr>
+        <p:blipFill>
+          <a:blip r:embed="rId2">
+            <a:extLst>
+              <a:ext uri="{28A0092B-C50C-407E-A947-70E740481C1C}">
+                <a14:useLocalDpi xmlns:a14="http://schemas.microsoft.com/office/drawing/2010/main" val="0"/>
+              </a:ext>
+            </a:extLst>
+          </a:blip>
+          <a:srcRect/>
+          <a:stretch>
+            <a:fillRect/>
+          </a:stretch>
+        </p:blipFill>
+        <p:spPr bwMode="auto">
+          <a:xfrm>
+            <a:off x="1837557" y="1944328"/>
+            <a:ext cx="8166086" cy="3778045"/>
+          </a:xfrm>
+          <a:prstGeom prst="rect">
+            <a:avLst/>
+          </a:prstGeom>
+          <a:noFill/>
+          <a:ln>
+            <a:noFill/>
+          </a:ln>
+          <a:extLst>
+            <a:ext uri="{909E8E84-426E-40DD-AFC4-6F175D3DCCD1}">
+              <a14:hiddenFill xmlns:a14="http://schemas.microsoft.com/office/drawing/2010/main">
+                <a:solidFill>
+                  <a:schemeClr val="accent1"/>
+                </a:solidFill>
+              </a14:hiddenFill>
+            </a:ext>
+            <a:ext uri="{91240B29-F687-4F45-9708-019B960494DF}">
+              <a14:hiddenLine xmlns:a14="http://schemas.microsoft.com/office/drawing/2010/main" w="9525">
+                <a:solidFill>
+                  <a:schemeClr val="tx1"/>
+                </a:solidFill>
+                <a:miter lim="800000"/>
+                <a:headEnd/>
+                <a:tailEnd/>
+              </a14:hiddenLine>
+            </a:ext>
+          </a:extLst>
+        </p:spPr>
+      </p:pic>
     </p:spTree>
     <p:extLst>
       <p:ext uri="{BB962C8B-B14F-4D97-AF65-F5344CB8AC3E}">
-        <p14:creationId xmlns:p14="http://schemas.microsoft.com/office/powerpoint/2010/main" val="1155359264"/>
+        <p14:creationId xmlns:p14="http://schemas.microsoft.com/office/powerpoint/2010/main" val="2528500396"/>
       </p:ext>
     </p:extLst>
   </p:cSld>
@@ -13150,7 +12612,7 @@
 </p:sld>
 </file>
 
-<file path=ppt/slides/slide8.xml><?xml version="1.0" encoding="utf-8"?>
+<file path=ppt/slides/slide11.xml><?xml version="1.0" encoding="utf-8"?>
 <p:sld xmlns:a="http://schemas.openxmlformats.org/drawingml/2006/main" xmlns:r="http://schemas.openxmlformats.org/officeDocument/2006/relationships" xmlns:p="http://schemas.openxmlformats.org/presentationml/2006/main">
   <p:cSld>
     <p:spTree>
@@ -13172,7 +12634,7 @@
           <p:cNvPr id="2" name="Título 1">
             <a:extLst>
               <a:ext uri="{FF2B5EF4-FFF2-40B4-BE49-F238E27FC236}">
-                <a16:creationId xmlns:a16="http://schemas.microsoft.com/office/drawing/2014/main" xmlns="" id="{75284E46-0A42-48E3-8035-992BC5F52B19}"/>
+                <a16:creationId xmlns="" xmlns:a16="http://schemas.microsoft.com/office/drawing/2014/main" id="{75284E46-0A42-48E3-8035-992BC5F52B19}"/>
               </a:ext>
             </a:extLst>
           </p:cNvPr>
@@ -13184,7 +12646,7 @@
         <p:spPr>
           <a:xfrm>
             <a:off x="1077019" y="631065"/>
-            <a:ext cx="9905998" cy="1478570"/>
+            <a:ext cx="9905998" cy="637860"/>
           </a:xfrm>
           <a:prstGeom prst="rect">
             <a:avLst/>
@@ -13214,34 +12676,65 @@
           <a:p>
             <a:pPr algn="ctr"/>
             <a:r>
-              <a:rPr lang="es-CL" dirty="0"/>
-              <a:t>Vía de comunicación con Cliente</a:t>
+              <a:rPr lang="es-CL" sz="3200" dirty="0" smtClean="0"/>
+              <a:t>Documentación asociada: diccionario de datos</a:t>
             </a:r>
+            <a:endParaRPr lang="es-CL" sz="3200" dirty="0"/>
           </a:p>
         </p:txBody>
       </p:sp>
       <p:pic>
         <p:nvPicPr>
-          <p:cNvPr id="4" name="Imagen 3"/>
+          <p:cNvPr id="5123" name="Picture 3"/>
           <p:cNvPicPr>
-            <a:picLocks noChangeAspect="1"/>
+            <a:picLocks noChangeAspect="1" noChangeArrowheads="1"/>
           </p:cNvPicPr>
           <p:nvPr/>
         </p:nvPicPr>
         <p:blipFill>
-          <a:blip r:embed="rId2"/>
+          <a:blip r:embed="rId2">
+            <a:extLst>
+              <a:ext uri="{28A0092B-C50C-407E-A947-70E740481C1C}">
+                <a14:useLocalDpi xmlns:a14="http://schemas.microsoft.com/office/drawing/2010/main" val="0"/>
+              </a:ext>
+            </a:extLst>
+          </a:blip>
+          <a:srcRect/>
           <a:stretch>
             <a:fillRect/>
           </a:stretch>
         </p:blipFill>
-        <p:spPr>
+        <p:spPr bwMode="auto">
           <a:xfrm>
-            <a:off x="1381034" y="1268925"/>
-            <a:ext cx="9601983" cy="5377110"/>
+            <a:off x="1748814" y="1475760"/>
+            <a:ext cx="8562407" cy="4512085"/>
           </a:xfrm>
           <a:prstGeom prst="rect">
             <a:avLst/>
           </a:prstGeom>
+          <a:noFill/>
+          <a:ln>
+            <a:noFill/>
+          </a:ln>
+          <a:extLst>
+            <a:ext uri="{909E8E84-426E-40DD-AFC4-6F175D3DCCD1}">
+              <a14:hiddenFill xmlns:a14="http://schemas.microsoft.com/office/drawing/2010/main">
+                <a:solidFill>
+                  <a:schemeClr val="accent1"/>
+                </a:solidFill>
+              </a14:hiddenFill>
+            </a:ext>
+            <a:ext uri="{91240B29-F687-4F45-9708-019B960494DF}">
+              <a14:hiddenLine xmlns:a14="http://schemas.microsoft.com/office/drawing/2010/main" w="9525">
+                <a:solidFill>
+                  <a:schemeClr val="tx1"/>
+                </a:solidFill>
+                <a:miter lim="800000"/>
+                <a:headEnd/>
+                <a:tailEnd/>
+              </a14:hiddenLine>
+            </a:ext>
+          </a:extLst>
         </p:spPr>
       </p:pic>
     </p:spTree>
@@ -13264,7 +12757,7 @@
 </p:sld>
 </file>
 
-<file path=ppt/slides/slide9.xml><?xml version="1.0" encoding="utf-8"?>
+<file path=ppt/slides/slide12.xml><?xml version="1.0" encoding="utf-8"?>
 <p:sld xmlns:a="http://schemas.openxmlformats.org/drawingml/2006/main" xmlns:r="http://schemas.openxmlformats.org/officeDocument/2006/relationships" xmlns:p="http://schemas.openxmlformats.org/presentationml/2006/main">
   <p:cSld>
     <p:spTree>
@@ -13286,7 +12779,78 @@
           <p:cNvPr id="2" name="Título 1">
             <a:extLst>
               <a:ext uri="{FF2B5EF4-FFF2-40B4-BE49-F238E27FC236}">
-                <a16:creationId xmlns:a16="http://schemas.microsoft.com/office/drawing/2014/main" xmlns="" id="{75284E46-0A42-48E3-8035-992BC5F52B19}"/>
+                <a16:creationId xmlns="" xmlns:a16="http://schemas.microsoft.com/office/drawing/2014/main" id="{5BA0D553-22A3-4E10-A582-38C3CDC203AB}"/>
+              </a:ext>
+            </a:extLst>
+          </p:cNvPr>
+          <p:cNvSpPr>
+            <a:spLocks noGrp="1"/>
+          </p:cNvSpPr>
+          <p:nvPr>
+            <p:ph type="title"/>
+          </p:nvPr>
+        </p:nvSpPr>
+        <p:spPr>
+          <a:xfrm>
+            <a:off x="1143001" y="2544033"/>
+            <a:ext cx="9905998" cy="1632313"/>
+          </a:xfrm>
+        </p:spPr>
+        <p:txBody>
+          <a:bodyPr>
+            <a:normAutofit/>
+          </a:bodyPr>
+          <a:lstStyle/>
+          <a:p>
+            <a:pPr algn="ctr"/>
+            <a:r>
+              <a:rPr lang="es-CL" sz="5400" dirty="0" smtClean="0"/>
+              <a:t>EXPOSICIÓN</a:t>
+            </a:r>
+            <a:r>
+              <a:rPr lang="es-CL" sz="5400" dirty="0" smtClean="0"/>
+              <a:t> PRÁCTICA DE APLICACIONES</a:t>
+            </a:r>
+            <a:endParaRPr lang="es-CL" sz="5400" dirty="0"/>
+          </a:p>
+        </p:txBody>
+      </p:sp>
+    </p:spTree>
+    <p:extLst>
+      <p:ext uri="{BB962C8B-B14F-4D97-AF65-F5344CB8AC3E}">
+        <p14:creationId xmlns:p14="http://schemas.microsoft.com/office/powerpoint/2010/main" val="1287028660"/>
+      </p:ext>
+    </p:extLst>
+  </p:cSld>
+  <p:clrMapOvr>
+    <a:masterClrMapping/>
+  </p:clrMapOvr>
+</p:sld>
+</file>
+
+<file path=ppt/slides/slide13.xml><?xml version="1.0" encoding="utf-8"?>
+<p:sld xmlns:a="http://schemas.openxmlformats.org/drawingml/2006/main" xmlns:r="http://schemas.openxmlformats.org/officeDocument/2006/relationships" xmlns:p="http://schemas.openxmlformats.org/presentationml/2006/main">
+  <p:cSld>
+    <p:spTree>
+      <p:nvGrpSpPr>
+        <p:cNvPr id="1" name=""/>
+        <p:cNvGrpSpPr/>
+        <p:nvPr/>
+      </p:nvGrpSpPr>
+      <p:grpSpPr>
+        <a:xfrm>
+          <a:off x="0" y="0"/>
+          <a:ext cx="0" cy="0"/>
+          <a:chOff x="0" y="0"/>
+          <a:chExt cx="0" cy="0"/>
+        </a:xfrm>
+      </p:grpSpPr>
+      <p:sp>
+        <p:nvSpPr>
+          <p:cNvPr id="2" name="Título 1">
+            <a:extLst>
+              <a:ext uri="{FF2B5EF4-FFF2-40B4-BE49-F238E27FC236}">
+                <a16:creationId xmlns="" xmlns:a16="http://schemas.microsoft.com/office/drawing/2014/main" id="{75284E46-0A42-48E3-8035-992BC5F52B19}"/>
               </a:ext>
             </a:extLst>
           </p:cNvPr>
@@ -13391,6 +12955,967 @@
       </p:par>
     </p:tnLst>
   </p:timing>
+</p:sld>
+</file>
+
+<file path=ppt/slides/slide2.xml><?xml version="1.0" encoding="utf-8"?>
+<p:sld xmlns:a="http://schemas.openxmlformats.org/drawingml/2006/main" xmlns:r="http://schemas.openxmlformats.org/officeDocument/2006/relationships" xmlns:p="http://schemas.openxmlformats.org/presentationml/2006/main">
+  <p:cSld>
+    <p:spTree>
+      <p:nvGrpSpPr>
+        <p:cNvPr id="1" name=""/>
+        <p:cNvGrpSpPr/>
+        <p:nvPr/>
+      </p:nvGrpSpPr>
+      <p:grpSpPr>
+        <a:xfrm>
+          <a:off x="0" y="0"/>
+          <a:ext cx="0" cy="0"/>
+          <a:chOff x="0" y="0"/>
+          <a:chExt cx="0" cy="0"/>
+        </a:xfrm>
+      </p:grpSpPr>
+      <p:sp>
+        <p:nvSpPr>
+          <p:cNvPr id="2" name="Título 1">
+            <a:extLst>
+              <a:ext uri="{FF2B5EF4-FFF2-40B4-BE49-F238E27FC236}">
+                <a16:creationId xmlns="" xmlns:a16="http://schemas.microsoft.com/office/drawing/2014/main" id="{75284E46-0A42-48E3-8035-992BC5F52B19}"/>
+              </a:ext>
+            </a:extLst>
+          </p:cNvPr>
+          <p:cNvSpPr>
+            <a:spLocks noGrp="1"/>
+          </p:cNvSpPr>
+          <p:nvPr>
+            <p:ph type="title"/>
+          </p:nvPr>
+        </p:nvSpPr>
+        <p:spPr>
+          <a:xfrm>
+            <a:off x="1141413" y="0"/>
+            <a:ext cx="9905998" cy="1478570"/>
+          </a:xfrm>
+        </p:spPr>
+        <p:txBody>
+          <a:bodyPr/>
+          <a:lstStyle/>
+          <a:p>
+            <a:pPr algn="ctr"/>
+            <a:r>
+              <a:rPr lang="es-CL" dirty="0" smtClean="0"/>
+              <a:t>CONTENIDOS</a:t>
+            </a:r>
+            <a:endParaRPr lang="es-CL" dirty="0"/>
+          </a:p>
+        </p:txBody>
+      </p:sp>
+      <p:sp>
+        <p:nvSpPr>
+          <p:cNvPr id="3" name="2 CuadroTexto"/>
+          <p:cNvSpPr txBox="1"/>
+          <p:nvPr/>
+        </p:nvSpPr>
+        <p:spPr>
+          <a:xfrm>
+            <a:off x="1268361" y="2123768"/>
+            <a:ext cx="9512710" cy="2246769"/>
+          </a:xfrm>
+          <a:prstGeom prst="rect">
+            <a:avLst/>
+          </a:prstGeom>
+          <a:noFill/>
+        </p:spPr>
+        <p:txBody>
+          <a:bodyPr wrap="square" rtlCol="0">
+            <a:spAutoFit/>
+          </a:bodyPr>
+          <a:lstStyle/>
+          <a:p>
+            <a:pPr marL="285750" indent="-285750">
+              <a:buFont typeface="Arial" panose="020B0604020202020204" pitchFamily="34" charset="0"/>
+              <a:buChar char="•"/>
+            </a:pPr>
+            <a:r>
+              <a:rPr lang="es-CL" sz="2800" dirty="0" smtClean="0"/>
+              <a:t>INTRODUCCION BASE DE DATOS</a:t>
+            </a:r>
+          </a:p>
+          <a:p>
+            <a:pPr marL="285750" indent="-285750">
+              <a:buFont typeface="Arial" panose="020B0604020202020204" pitchFamily="34" charset="0"/>
+              <a:buChar char="•"/>
+            </a:pPr>
+            <a:r>
+              <a:rPr lang="es-CL" sz="2800" dirty="0" smtClean="0"/>
+              <a:t>MODIFICACIONES REALIZADAS AL MODELO</a:t>
+            </a:r>
+          </a:p>
+          <a:p>
+            <a:pPr marL="285750" indent="-285750">
+              <a:buFont typeface="Arial" panose="020B0604020202020204" pitchFamily="34" charset="0"/>
+              <a:buChar char="•"/>
+            </a:pPr>
+            <a:r>
+              <a:rPr lang="es-CL" sz="2800" dirty="0" smtClean="0"/>
+              <a:t>DESCRIPCIÓN DEL MODELO FINAL IMPLEMENTADO</a:t>
+            </a:r>
+          </a:p>
+          <a:p>
+            <a:pPr marL="285750" indent="-285750">
+              <a:buFont typeface="Arial" panose="020B0604020202020204" pitchFamily="34" charset="0"/>
+              <a:buChar char="•"/>
+            </a:pPr>
+            <a:r>
+              <a:rPr lang="es-CL" sz="2800" dirty="0" smtClean="0"/>
+              <a:t>EXPOSICIÓN PRÁCTICA APLICACIÓN WEB</a:t>
+            </a:r>
+          </a:p>
+          <a:p>
+            <a:pPr marL="285750" indent="-285750">
+              <a:buFont typeface="Arial" panose="020B0604020202020204" pitchFamily="34" charset="0"/>
+              <a:buChar char="•"/>
+            </a:pPr>
+            <a:r>
+              <a:rPr lang="es-CL" sz="2800" dirty="0" smtClean="0"/>
+              <a:t>EXPOSICIÓN PRÁCTICA APLICACIÓN DE ESCRITORIO</a:t>
+            </a:r>
+            <a:endParaRPr lang="es-CL" sz="2800" dirty="0"/>
+          </a:p>
+        </p:txBody>
+      </p:sp>
+    </p:spTree>
+    <p:extLst>
+      <p:ext uri="{BB962C8B-B14F-4D97-AF65-F5344CB8AC3E}">
+        <p14:creationId xmlns:p14="http://schemas.microsoft.com/office/powerpoint/2010/main" val="241944868"/>
+      </p:ext>
+    </p:extLst>
+  </p:cSld>
+  <p:clrMapOvr>
+    <a:masterClrMapping/>
+  </p:clrMapOvr>
+</p:sld>
+</file>
+
+<file path=ppt/slides/slide3.xml><?xml version="1.0" encoding="utf-8"?>
+<p:sld xmlns:a="http://schemas.openxmlformats.org/drawingml/2006/main" xmlns:r="http://schemas.openxmlformats.org/officeDocument/2006/relationships" xmlns:p="http://schemas.openxmlformats.org/presentationml/2006/main">
+  <p:cSld>
+    <p:spTree>
+      <p:nvGrpSpPr>
+        <p:cNvPr id="1" name=""/>
+        <p:cNvGrpSpPr/>
+        <p:nvPr/>
+      </p:nvGrpSpPr>
+      <p:grpSpPr>
+        <a:xfrm>
+          <a:off x="0" y="0"/>
+          <a:ext cx="0" cy="0"/>
+          <a:chOff x="0" y="0"/>
+          <a:chExt cx="0" cy="0"/>
+        </a:xfrm>
+      </p:grpSpPr>
+      <p:sp>
+        <p:nvSpPr>
+          <p:cNvPr id="2" name="Título 1"/>
+          <p:cNvSpPr>
+            <a:spLocks noGrp="1"/>
+          </p:cNvSpPr>
+          <p:nvPr>
+            <p:ph type="title"/>
+          </p:nvPr>
+        </p:nvSpPr>
+        <p:spPr/>
+        <p:txBody>
+          <a:bodyPr/>
+          <a:lstStyle/>
+          <a:p>
+            <a:pPr algn="ctr"/>
+            <a:r>
+              <a:rPr lang="es-CL" dirty="0"/>
+              <a:t>Base de </a:t>
+            </a:r>
+            <a:r>
+              <a:rPr lang="es-CL" dirty="0" err="1" smtClean="0"/>
+              <a:t>DatoS</a:t>
+            </a:r>
+            <a:r>
+              <a:rPr lang="es-CL" dirty="0" smtClean="0"/>
+              <a:t>: GENERALIDADES</a:t>
+            </a:r>
+            <a:endParaRPr lang="es-ES" dirty="0"/>
+          </a:p>
+        </p:txBody>
+      </p:sp>
+      <p:sp>
+        <p:nvSpPr>
+          <p:cNvPr id="4" name="3 CuadroTexto"/>
+          <p:cNvSpPr txBox="1"/>
+          <p:nvPr/>
+        </p:nvSpPr>
+        <p:spPr>
+          <a:xfrm>
+            <a:off x="1386348" y="2020529"/>
+            <a:ext cx="9896168" cy="4154984"/>
+          </a:xfrm>
+          <a:prstGeom prst="rect">
+            <a:avLst/>
+          </a:prstGeom>
+          <a:noFill/>
+        </p:spPr>
+        <p:txBody>
+          <a:bodyPr wrap="square" rtlCol="0">
+            <a:spAutoFit/>
+          </a:bodyPr>
+          <a:lstStyle/>
+          <a:p>
+            <a:r>
+              <a:rPr lang="es-CL" sz="2400" dirty="0" smtClean="0"/>
+              <a:t>PRINCIPALES PROBLEMAS Y DIFICULTADES</a:t>
+            </a:r>
+          </a:p>
+          <a:p>
+            <a:pPr marL="285750" indent="-285750">
+              <a:buFont typeface="Arial" panose="020B0604020202020204" pitchFamily="34" charset="0"/>
+              <a:buChar char="•"/>
+            </a:pPr>
+            <a:r>
+              <a:rPr lang="es-CL" sz="2400" dirty="0" smtClean="0"/>
+              <a:t>CLAVES PRIMARIAS NO POSEEN IDENTIDAD AUTONUMÉRICA</a:t>
+            </a:r>
+          </a:p>
+          <a:p>
+            <a:pPr marL="285750" indent="-285750">
+              <a:buFont typeface="Arial" panose="020B0604020202020204" pitchFamily="34" charset="0"/>
+              <a:buChar char="•"/>
+            </a:pPr>
+            <a:r>
+              <a:rPr lang="es-CL" sz="2400" dirty="0" smtClean="0"/>
+              <a:t>DIFICULTAD PARA IMPLEMENTAR PROCEDIMIENTOS ALMACENADOS</a:t>
+            </a:r>
+          </a:p>
+          <a:p>
+            <a:pPr marL="285750" indent="-285750">
+              <a:buFont typeface="Arial" panose="020B0604020202020204" pitchFamily="34" charset="0"/>
+              <a:buChar char="•"/>
+            </a:pPr>
+            <a:r>
+              <a:rPr lang="es-CL" sz="2400" dirty="0" smtClean="0"/>
+              <a:t>PROBLEMAS AL MODIFICAR MODELO DE DATOS.</a:t>
+            </a:r>
+          </a:p>
+          <a:p>
+            <a:endParaRPr lang="es-CL" sz="2400" dirty="0" smtClean="0"/>
+          </a:p>
+          <a:p>
+            <a:r>
+              <a:rPr lang="es-CL" sz="2400" dirty="0" smtClean="0"/>
+              <a:t>PIEZAS DESARROLLADAS EN BASE DE DATOS</a:t>
+            </a:r>
+          </a:p>
+          <a:p>
+            <a:pPr marL="285750" indent="-285750">
+              <a:buFont typeface="Arial" panose="020B0604020202020204" pitchFamily="34" charset="0"/>
+              <a:buChar char="•"/>
+            </a:pPr>
+            <a:r>
+              <a:rPr lang="es-CL" sz="2400" dirty="0" smtClean="0"/>
+              <a:t>TABLAS</a:t>
+            </a:r>
+          </a:p>
+          <a:p>
+            <a:pPr marL="285750" indent="-285750">
+              <a:buFont typeface="Arial" panose="020B0604020202020204" pitchFamily="34" charset="0"/>
+              <a:buChar char="•"/>
+            </a:pPr>
+            <a:r>
+              <a:rPr lang="es-CL" sz="2400" dirty="0" smtClean="0"/>
+              <a:t>RELACIONES DE FK</a:t>
+            </a:r>
+          </a:p>
+          <a:p>
+            <a:pPr marL="285750" indent="-285750">
+              <a:buFont typeface="Arial" panose="020B0604020202020204" pitchFamily="34" charset="0"/>
+              <a:buChar char="•"/>
+            </a:pPr>
+            <a:r>
+              <a:rPr lang="es-CL" sz="2400" dirty="0" smtClean="0"/>
+              <a:t>SECUENCIAS DE PK</a:t>
+            </a:r>
+          </a:p>
+          <a:p>
+            <a:pPr marL="285750" indent="-285750">
+              <a:buFont typeface="Arial" panose="020B0604020202020204" pitchFamily="34" charset="0"/>
+              <a:buChar char="•"/>
+            </a:pPr>
+            <a:r>
+              <a:rPr lang="es-CL" sz="2400" dirty="0" smtClean="0"/>
+              <a:t>TRIGGERS ASOCIADOS A SECUENCIA – PK</a:t>
+            </a:r>
+          </a:p>
+          <a:p>
+            <a:pPr marL="285750" indent="-285750">
+              <a:buFont typeface="Arial" panose="020B0604020202020204" pitchFamily="34" charset="0"/>
+              <a:buChar char="•"/>
+            </a:pPr>
+            <a:r>
+              <a:rPr lang="es-CL" sz="2400" dirty="0" smtClean="0"/>
+              <a:t>POBLAMIENTO DE TABLAS BASE</a:t>
+            </a:r>
+            <a:endParaRPr lang="es-CL" sz="2400" dirty="0"/>
+          </a:p>
+        </p:txBody>
+      </p:sp>
+    </p:spTree>
+    <p:extLst>
+      <p:ext uri="{BB962C8B-B14F-4D97-AF65-F5344CB8AC3E}">
+        <p14:creationId xmlns:p14="http://schemas.microsoft.com/office/powerpoint/2010/main" val="745592377"/>
+      </p:ext>
+    </p:extLst>
+  </p:cSld>
+  <p:clrMapOvr>
+    <a:masterClrMapping/>
+  </p:clrMapOvr>
+</p:sld>
+</file>
+
+<file path=ppt/slides/slide4.xml><?xml version="1.0" encoding="utf-8"?>
+<p:sld xmlns:a="http://schemas.openxmlformats.org/drawingml/2006/main" xmlns:r="http://schemas.openxmlformats.org/officeDocument/2006/relationships" xmlns:p="http://schemas.openxmlformats.org/presentationml/2006/main">
+  <p:cSld>
+    <p:spTree>
+      <p:nvGrpSpPr>
+        <p:cNvPr id="1" name=""/>
+        <p:cNvGrpSpPr/>
+        <p:nvPr/>
+      </p:nvGrpSpPr>
+      <p:grpSpPr>
+        <a:xfrm>
+          <a:off x="0" y="0"/>
+          <a:ext cx="0" cy="0"/>
+          <a:chOff x="0" y="0"/>
+          <a:chExt cx="0" cy="0"/>
+        </a:xfrm>
+      </p:grpSpPr>
+      <p:sp>
+        <p:nvSpPr>
+          <p:cNvPr id="2" name="Título 1"/>
+          <p:cNvSpPr>
+            <a:spLocks noGrp="1"/>
+          </p:cNvSpPr>
+          <p:nvPr>
+            <p:ph type="title"/>
+          </p:nvPr>
+        </p:nvSpPr>
+        <p:spPr>
+          <a:xfrm>
+            <a:off x="1141413" y="618518"/>
+            <a:ext cx="9905998" cy="944811"/>
+          </a:xfrm>
+        </p:spPr>
+        <p:txBody>
+          <a:bodyPr/>
+          <a:lstStyle/>
+          <a:p>
+            <a:pPr algn="ctr"/>
+            <a:r>
+              <a:rPr lang="es-CL" dirty="0" smtClean="0"/>
+              <a:t>MODIFICACIONES AL MODELO</a:t>
+            </a:r>
+            <a:endParaRPr lang="es-ES" dirty="0"/>
+          </a:p>
+        </p:txBody>
+      </p:sp>
+      <p:sp>
+        <p:nvSpPr>
+          <p:cNvPr id="4" name="3 CuadroTexto"/>
+          <p:cNvSpPr txBox="1"/>
+          <p:nvPr/>
+        </p:nvSpPr>
+        <p:spPr>
+          <a:xfrm>
+            <a:off x="1386348" y="2020529"/>
+            <a:ext cx="9896168" cy="4031873"/>
+          </a:xfrm>
+          <a:prstGeom prst="rect">
+            <a:avLst/>
+          </a:prstGeom>
+          <a:noFill/>
+        </p:spPr>
+        <p:txBody>
+          <a:bodyPr wrap="square" rtlCol="0">
+            <a:spAutoFit/>
+          </a:bodyPr>
+          <a:lstStyle/>
+          <a:p>
+            <a:r>
+              <a:rPr lang="es-CL" sz="3200" dirty="0" smtClean="0"/>
+              <a:t>PRIMERA VERSION</a:t>
+            </a:r>
+          </a:p>
+          <a:p>
+            <a:pPr marL="285750" indent="-285750">
+              <a:buFont typeface="Arial" panose="020B0604020202020204" pitchFamily="34" charset="0"/>
+              <a:buChar char="•"/>
+            </a:pPr>
+            <a:r>
+              <a:rPr lang="es-CL" sz="3200" dirty="0" smtClean="0"/>
+              <a:t>SE MODIFICA EL PLANTEAMIENTO DE TABLAS POR TIPO DE ENTIDAD, POR TABLA UNICA CON ROLES DIFERENCIADOS</a:t>
+            </a:r>
+          </a:p>
+          <a:p>
+            <a:pPr marL="285750" indent="-285750">
+              <a:buFont typeface="Arial" panose="020B0604020202020204" pitchFamily="34" charset="0"/>
+              <a:buChar char="•"/>
+            </a:pPr>
+            <a:r>
+              <a:rPr lang="es-CL" sz="3200" dirty="0" smtClean="0"/>
+              <a:t>SE IMPLEMENTAN TABLAS ASOCIADAS AL MANEJO FINANCIERO</a:t>
+            </a:r>
+          </a:p>
+          <a:p>
+            <a:pPr marL="285750" indent="-285750">
+              <a:buFont typeface="Arial" panose="020B0604020202020204" pitchFamily="34" charset="0"/>
+              <a:buChar char="•"/>
+            </a:pPr>
+            <a:r>
+              <a:rPr lang="es-CL" sz="3200" dirty="0" smtClean="0"/>
+              <a:t>SE MODIFICA EL MODELO DE RESERVA Y DE ORDENES DE PEDIDO</a:t>
+            </a:r>
+          </a:p>
+        </p:txBody>
+      </p:sp>
+    </p:spTree>
+    <p:extLst>
+      <p:ext uri="{BB962C8B-B14F-4D97-AF65-F5344CB8AC3E}">
+        <p14:creationId xmlns:p14="http://schemas.microsoft.com/office/powerpoint/2010/main" val="1623618059"/>
+      </p:ext>
+    </p:extLst>
+  </p:cSld>
+  <p:clrMapOvr>
+    <a:masterClrMapping/>
+  </p:clrMapOvr>
+</p:sld>
+</file>
+
+<file path=ppt/slides/slide5.xml><?xml version="1.0" encoding="utf-8"?>
+<p:sld xmlns:a="http://schemas.openxmlformats.org/drawingml/2006/main" xmlns:r="http://schemas.openxmlformats.org/officeDocument/2006/relationships" xmlns:p="http://schemas.openxmlformats.org/presentationml/2006/main">
+  <p:cSld>
+    <p:spTree>
+      <p:nvGrpSpPr>
+        <p:cNvPr id="1" name=""/>
+        <p:cNvGrpSpPr/>
+        <p:nvPr/>
+      </p:nvGrpSpPr>
+      <p:grpSpPr>
+        <a:xfrm>
+          <a:off x="0" y="0"/>
+          <a:ext cx="0" cy="0"/>
+          <a:chOff x="0" y="0"/>
+          <a:chExt cx="0" cy="0"/>
+        </a:xfrm>
+      </p:grpSpPr>
+      <p:sp>
+        <p:nvSpPr>
+          <p:cNvPr id="2" name="Título 1"/>
+          <p:cNvSpPr>
+            <a:spLocks noGrp="1"/>
+          </p:cNvSpPr>
+          <p:nvPr>
+            <p:ph type="title"/>
+          </p:nvPr>
+        </p:nvSpPr>
+        <p:spPr>
+          <a:xfrm>
+            <a:off x="1141413" y="618518"/>
+            <a:ext cx="9905998" cy="944811"/>
+          </a:xfrm>
+        </p:spPr>
+        <p:txBody>
+          <a:bodyPr/>
+          <a:lstStyle/>
+          <a:p>
+            <a:pPr algn="ctr"/>
+            <a:r>
+              <a:rPr lang="es-CL" dirty="0" smtClean="0"/>
+              <a:t>MODIFICACIONES AL MODELO</a:t>
+            </a:r>
+            <a:endParaRPr lang="es-ES" dirty="0"/>
+          </a:p>
+        </p:txBody>
+      </p:sp>
+      <p:sp>
+        <p:nvSpPr>
+          <p:cNvPr id="4" name="3 CuadroTexto"/>
+          <p:cNvSpPr txBox="1"/>
+          <p:nvPr/>
+        </p:nvSpPr>
+        <p:spPr>
+          <a:xfrm>
+            <a:off x="1386348" y="2020529"/>
+            <a:ext cx="9896168" cy="2554545"/>
+          </a:xfrm>
+          <a:prstGeom prst="rect">
+            <a:avLst/>
+          </a:prstGeom>
+          <a:noFill/>
+        </p:spPr>
+        <p:txBody>
+          <a:bodyPr wrap="square" rtlCol="0">
+            <a:spAutoFit/>
+          </a:bodyPr>
+          <a:lstStyle/>
+          <a:p>
+            <a:r>
+              <a:rPr lang="es-CL" sz="3200" dirty="0"/>
+              <a:t>SEGUNDA VERSION</a:t>
+            </a:r>
+          </a:p>
+          <a:p>
+            <a:pPr marL="285750" indent="-285750">
+              <a:buFont typeface="Arial" panose="020B0604020202020204" pitchFamily="34" charset="0"/>
+              <a:buChar char="•"/>
+            </a:pPr>
+            <a:r>
+              <a:rPr lang="es-CL" sz="3200" dirty="0"/>
+              <a:t>SE RETORNA AL MODELO ORIGINAL DE TABLAS POR TIPO DE ENTIDAD</a:t>
+            </a:r>
+          </a:p>
+          <a:p>
+            <a:pPr marL="285750" indent="-285750">
+              <a:buFont typeface="Arial" panose="020B0604020202020204" pitchFamily="34" charset="0"/>
+              <a:buChar char="•"/>
+            </a:pPr>
+            <a:r>
+              <a:rPr lang="es-CL" sz="3200" dirty="0"/>
+              <a:t>INCORPORA MODELO PARA EL MANEJO DEL SERVICIO COMEDOR</a:t>
+            </a:r>
+          </a:p>
+        </p:txBody>
+      </p:sp>
+    </p:spTree>
+    <p:extLst>
+      <p:ext uri="{BB962C8B-B14F-4D97-AF65-F5344CB8AC3E}">
+        <p14:creationId xmlns:p14="http://schemas.microsoft.com/office/powerpoint/2010/main" val="2289360965"/>
+      </p:ext>
+    </p:extLst>
+  </p:cSld>
+  <p:clrMapOvr>
+    <a:masterClrMapping/>
+  </p:clrMapOvr>
+</p:sld>
+</file>
+
+<file path=ppt/slides/slide6.xml><?xml version="1.0" encoding="utf-8"?>
+<p:sld xmlns:a="http://schemas.openxmlformats.org/drawingml/2006/main" xmlns:r="http://schemas.openxmlformats.org/officeDocument/2006/relationships" xmlns:p="http://schemas.openxmlformats.org/presentationml/2006/main">
+  <p:cSld>
+    <p:spTree>
+      <p:nvGrpSpPr>
+        <p:cNvPr id="1" name=""/>
+        <p:cNvGrpSpPr/>
+        <p:nvPr/>
+      </p:nvGrpSpPr>
+      <p:grpSpPr>
+        <a:xfrm>
+          <a:off x="0" y="0"/>
+          <a:ext cx="0" cy="0"/>
+          <a:chOff x="0" y="0"/>
+          <a:chExt cx="0" cy="0"/>
+        </a:xfrm>
+      </p:grpSpPr>
+      <p:sp>
+        <p:nvSpPr>
+          <p:cNvPr id="2" name="Título 1">
+            <a:extLst>
+              <a:ext uri="{FF2B5EF4-FFF2-40B4-BE49-F238E27FC236}">
+                <a16:creationId xmlns="" xmlns:a16="http://schemas.microsoft.com/office/drawing/2014/main" id="{5BA0D553-22A3-4E10-A582-38C3CDC203AB}"/>
+              </a:ext>
+            </a:extLst>
+          </p:cNvPr>
+          <p:cNvSpPr>
+            <a:spLocks noGrp="1"/>
+          </p:cNvSpPr>
+          <p:nvPr>
+            <p:ph type="title"/>
+          </p:nvPr>
+        </p:nvSpPr>
+        <p:spPr>
+          <a:xfrm>
+            <a:off x="1143001" y="2544033"/>
+            <a:ext cx="9905998" cy="1632313"/>
+          </a:xfrm>
+        </p:spPr>
+        <p:txBody>
+          <a:bodyPr>
+            <a:normAutofit/>
+          </a:bodyPr>
+          <a:lstStyle/>
+          <a:p>
+            <a:pPr algn="ctr"/>
+            <a:r>
+              <a:rPr lang="es-CL" sz="5400" dirty="0" smtClean="0"/>
+              <a:t>DETALLE DEL </a:t>
+            </a:r>
+            <a:r>
+              <a:rPr lang="es-CL" sz="5400" dirty="0" smtClean="0"/>
+              <a:t>MODELO FINAL DE BASE DE DATOS</a:t>
+            </a:r>
+            <a:endParaRPr lang="es-CL" sz="5400" dirty="0"/>
+          </a:p>
+        </p:txBody>
+      </p:sp>
+    </p:spTree>
+    <p:extLst>
+      <p:ext uri="{BB962C8B-B14F-4D97-AF65-F5344CB8AC3E}">
+        <p14:creationId xmlns:p14="http://schemas.microsoft.com/office/powerpoint/2010/main" val="3306134226"/>
+      </p:ext>
+    </p:extLst>
+  </p:cSld>
+  <p:clrMapOvr>
+    <a:masterClrMapping/>
+  </p:clrMapOvr>
+</p:sld>
+</file>
+
+<file path=ppt/slides/slide7.xml><?xml version="1.0" encoding="utf-8"?>
+<p:sld xmlns:a="http://schemas.openxmlformats.org/drawingml/2006/main" xmlns:r="http://schemas.openxmlformats.org/officeDocument/2006/relationships" xmlns:p="http://schemas.openxmlformats.org/presentationml/2006/main">
+  <p:cSld>
+    <p:spTree>
+      <p:nvGrpSpPr>
+        <p:cNvPr id="1" name=""/>
+        <p:cNvGrpSpPr/>
+        <p:nvPr/>
+      </p:nvGrpSpPr>
+      <p:grpSpPr>
+        <a:xfrm>
+          <a:off x="0" y="0"/>
+          <a:ext cx="0" cy="0"/>
+          <a:chOff x="0" y="0"/>
+          <a:chExt cx="0" cy="0"/>
+        </a:xfrm>
+      </p:grpSpPr>
+      <p:sp>
+        <p:nvSpPr>
+          <p:cNvPr id="2" name="1 Título"/>
+          <p:cNvSpPr>
+            <a:spLocks noGrp="1"/>
+          </p:cNvSpPr>
+          <p:nvPr>
+            <p:ph type="title"/>
+          </p:nvPr>
+        </p:nvSpPr>
+        <p:spPr>
+          <a:xfrm>
+            <a:off x="1141413" y="618518"/>
+            <a:ext cx="9905998" cy="1012162"/>
+          </a:xfrm>
+        </p:spPr>
+        <p:txBody>
+          <a:bodyPr/>
+          <a:lstStyle/>
+          <a:p>
+            <a:r>
+              <a:rPr lang="es-CL" dirty="0" smtClean="0"/>
+              <a:t>Diagrama 1: proveedor</a:t>
+            </a:r>
+            <a:endParaRPr lang="es-CL" dirty="0"/>
+          </a:p>
+        </p:txBody>
+      </p:sp>
+      <p:pic>
+        <p:nvPicPr>
+          <p:cNvPr id="1026" name="Picture 2"/>
+          <p:cNvPicPr>
+            <a:picLocks noChangeAspect="1" noChangeArrowheads="1"/>
+          </p:cNvPicPr>
+          <p:nvPr/>
+        </p:nvPicPr>
+        <p:blipFill>
+          <a:blip r:embed="rId2">
+            <a:extLst>
+              <a:ext uri="{28A0092B-C50C-407E-A947-70E740481C1C}">
+                <a14:useLocalDpi xmlns:a14="http://schemas.microsoft.com/office/drawing/2010/main" val="0"/>
+              </a:ext>
+            </a:extLst>
+          </a:blip>
+          <a:srcRect/>
+          <a:stretch>
+            <a:fillRect/>
+          </a:stretch>
+        </p:blipFill>
+        <p:spPr bwMode="auto">
+          <a:xfrm>
+            <a:off x="1005840" y="1711643"/>
+            <a:ext cx="10393680" cy="4667679"/>
+          </a:xfrm>
+          <a:prstGeom prst="rect">
+            <a:avLst/>
+          </a:prstGeom>
+          <a:noFill/>
+          <a:ln>
+            <a:noFill/>
+          </a:ln>
+          <a:extLst>
+            <a:ext uri="{909E8E84-426E-40DD-AFC4-6F175D3DCCD1}">
+              <a14:hiddenFill xmlns:a14="http://schemas.microsoft.com/office/drawing/2010/main">
+                <a:solidFill>
+                  <a:schemeClr val="accent1"/>
+                </a:solidFill>
+              </a14:hiddenFill>
+            </a:ext>
+            <a:ext uri="{91240B29-F687-4F45-9708-019B960494DF}">
+              <a14:hiddenLine xmlns:a14="http://schemas.microsoft.com/office/drawing/2010/main" w="9525">
+                <a:solidFill>
+                  <a:schemeClr val="tx1"/>
+                </a:solidFill>
+                <a:miter lim="800000"/>
+                <a:headEnd/>
+                <a:tailEnd/>
+              </a14:hiddenLine>
+            </a:ext>
+          </a:extLst>
+        </p:spPr>
+      </p:pic>
+    </p:spTree>
+    <p:extLst>
+      <p:ext uri="{BB962C8B-B14F-4D97-AF65-F5344CB8AC3E}">
+        <p14:creationId xmlns:p14="http://schemas.microsoft.com/office/powerpoint/2010/main" val="1155359264"/>
+      </p:ext>
+    </p:extLst>
+  </p:cSld>
+  <p:clrMapOvr>
+    <a:masterClrMapping/>
+  </p:clrMapOvr>
+</p:sld>
+</file>
+
+<file path=ppt/slides/slide8.xml><?xml version="1.0" encoding="utf-8"?>
+<p:sld xmlns:a="http://schemas.openxmlformats.org/drawingml/2006/main" xmlns:r="http://schemas.openxmlformats.org/officeDocument/2006/relationships" xmlns:p="http://schemas.openxmlformats.org/presentationml/2006/main">
+  <p:cSld>
+    <p:spTree>
+      <p:nvGrpSpPr>
+        <p:cNvPr id="1" name=""/>
+        <p:cNvGrpSpPr/>
+        <p:nvPr/>
+      </p:nvGrpSpPr>
+      <p:grpSpPr>
+        <a:xfrm>
+          <a:off x="0" y="0"/>
+          <a:ext cx="0" cy="0"/>
+          <a:chOff x="0" y="0"/>
+          <a:chExt cx="0" cy="0"/>
+        </a:xfrm>
+      </p:grpSpPr>
+      <p:sp>
+        <p:nvSpPr>
+          <p:cNvPr id="2" name="1 Título"/>
+          <p:cNvSpPr>
+            <a:spLocks noGrp="1"/>
+          </p:cNvSpPr>
+          <p:nvPr>
+            <p:ph type="title"/>
+          </p:nvPr>
+        </p:nvSpPr>
+        <p:spPr>
+          <a:xfrm>
+            <a:off x="1141413" y="618518"/>
+            <a:ext cx="9905998" cy="1012162"/>
+          </a:xfrm>
+        </p:spPr>
+        <p:txBody>
+          <a:bodyPr/>
+          <a:lstStyle/>
+          <a:p>
+            <a:r>
+              <a:rPr lang="es-CL" dirty="0" smtClean="0"/>
+              <a:t>Diagrama 2: empresa y manejo de reserva</a:t>
+            </a:r>
+            <a:endParaRPr lang="es-CL" dirty="0"/>
+          </a:p>
+        </p:txBody>
+      </p:sp>
+      <p:pic>
+        <p:nvPicPr>
+          <p:cNvPr id="2050" name="Picture 2"/>
+          <p:cNvPicPr>
+            <a:picLocks noChangeAspect="1" noChangeArrowheads="1"/>
+          </p:cNvPicPr>
+          <p:nvPr/>
+        </p:nvPicPr>
+        <p:blipFill>
+          <a:blip r:embed="rId2">
+            <a:extLst>
+              <a:ext uri="{28A0092B-C50C-407E-A947-70E740481C1C}">
+                <a14:useLocalDpi xmlns:a14="http://schemas.microsoft.com/office/drawing/2010/main" val="0"/>
+              </a:ext>
+            </a:extLst>
+          </a:blip>
+          <a:srcRect/>
+          <a:stretch>
+            <a:fillRect/>
+          </a:stretch>
+        </p:blipFill>
+        <p:spPr bwMode="auto">
+          <a:xfrm>
+            <a:off x="1634919" y="1662729"/>
+            <a:ext cx="8718449" cy="4834927"/>
+          </a:xfrm>
+          <a:prstGeom prst="rect">
+            <a:avLst/>
+          </a:prstGeom>
+          <a:noFill/>
+          <a:ln>
+            <a:noFill/>
+          </a:ln>
+          <a:extLst>
+            <a:ext uri="{909E8E84-426E-40DD-AFC4-6F175D3DCCD1}">
+              <a14:hiddenFill xmlns:a14="http://schemas.microsoft.com/office/drawing/2010/main">
+                <a:solidFill>
+                  <a:schemeClr val="accent1"/>
+                </a:solidFill>
+              </a14:hiddenFill>
+            </a:ext>
+            <a:ext uri="{91240B29-F687-4F45-9708-019B960494DF}">
+              <a14:hiddenLine xmlns:a14="http://schemas.microsoft.com/office/drawing/2010/main" w="9525">
+                <a:solidFill>
+                  <a:schemeClr val="tx1"/>
+                </a:solidFill>
+                <a:miter lim="800000"/>
+                <a:headEnd/>
+                <a:tailEnd/>
+              </a14:hiddenLine>
+            </a:ext>
+          </a:extLst>
+        </p:spPr>
+      </p:pic>
+    </p:spTree>
+    <p:extLst>
+      <p:ext uri="{BB962C8B-B14F-4D97-AF65-F5344CB8AC3E}">
+        <p14:creationId xmlns:p14="http://schemas.microsoft.com/office/powerpoint/2010/main" val="3041508990"/>
+      </p:ext>
+    </p:extLst>
+  </p:cSld>
+  <p:clrMapOvr>
+    <a:masterClrMapping/>
+  </p:clrMapOvr>
+</p:sld>
+</file>
+
+<file path=ppt/slides/slide9.xml><?xml version="1.0" encoding="utf-8"?>
+<p:sld xmlns:a="http://schemas.openxmlformats.org/drawingml/2006/main" xmlns:r="http://schemas.openxmlformats.org/officeDocument/2006/relationships" xmlns:p="http://schemas.openxmlformats.org/presentationml/2006/main">
+  <p:cSld>
+    <p:spTree>
+      <p:nvGrpSpPr>
+        <p:cNvPr id="1" name=""/>
+        <p:cNvGrpSpPr/>
+        <p:nvPr/>
+      </p:nvGrpSpPr>
+      <p:grpSpPr>
+        <a:xfrm>
+          <a:off x="0" y="0"/>
+          <a:ext cx="0" cy="0"/>
+          <a:chOff x="0" y="0"/>
+          <a:chExt cx="0" cy="0"/>
+        </a:xfrm>
+      </p:grpSpPr>
+      <p:sp>
+        <p:nvSpPr>
+          <p:cNvPr id="2" name="1 Título"/>
+          <p:cNvSpPr>
+            <a:spLocks noGrp="1"/>
+          </p:cNvSpPr>
+          <p:nvPr>
+            <p:ph type="title"/>
+          </p:nvPr>
+        </p:nvSpPr>
+        <p:spPr>
+          <a:xfrm>
+            <a:off x="1141413" y="618518"/>
+            <a:ext cx="9905998" cy="1012162"/>
+          </a:xfrm>
+        </p:spPr>
+        <p:txBody>
+          <a:bodyPr/>
+          <a:lstStyle/>
+          <a:p>
+            <a:r>
+              <a:rPr lang="es-CL" dirty="0" smtClean="0"/>
+              <a:t>Diagrama 3: </a:t>
+            </a:r>
+            <a:r>
+              <a:rPr lang="es-CL" dirty="0" err="1" smtClean="0"/>
+              <a:t>gestion</a:t>
+            </a:r>
+            <a:r>
+              <a:rPr lang="es-CL" dirty="0" smtClean="0"/>
+              <a:t> del servicio comedor</a:t>
+            </a:r>
+            <a:endParaRPr lang="es-CL" dirty="0"/>
+          </a:p>
+        </p:txBody>
+      </p:sp>
+      <p:pic>
+        <p:nvPicPr>
+          <p:cNvPr id="3074" name="Picture 2"/>
+          <p:cNvPicPr>
+            <a:picLocks noChangeAspect="1" noChangeArrowheads="1"/>
+          </p:cNvPicPr>
+          <p:nvPr/>
+        </p:nvPicPr>
+        <p:blipFill>
+          <a:blip r:embed="rId2">
+            <a:extLst>
+              <a:ext uri="{28A0092B-C50C-407E-A947-70E740481C1C}">
+                <a14:useLocalDpi xmlns:a14="http://schemas.microsoft.com/office/drawing/2010/main" val="0"/>
+              </a:ext>
+            </a:extLst>
+          </a:blip>
+          <a:srcRect/>
+          <a:stretch>
+            <a:fillRect/>
+          </a:stretch>
+        </p:blipFill>
+        <p:spPr bwMode="auto">
+          <a:xfrm>
+            <a:off x="3249868" y="1718494"/>
+            <a:ext cx="5504314" cy="4638061"/>
+          </a:xfrm>
+          <a:prstGeom prst="rect">
+            <a:avLst/>
+          </a:prstGeom>
+          <a:noFill/>
+          <a:ln>
+            <a:noFill/>
+          </a:ln>
+          <a:extLst>
+            <a:ext uri="{909E8E84-426E-40DD-AFC4-6F175D3DCCD1}">
+              <a14:hiddenFill xmlns:a14="http://schemas.microsoft.com/office/drawing/2010/main">
+                <a:solidFill>
+                  <a:schemeClr val="accent1"/>
+                </a:solidFill>
+              </a14:hiddenFill>
+            </a:ext>
+            <a:ext uri="{91240B29-F687-4F45-9708-019B960494DF}">
+              <a14:hiddenLine xmlns:a14="http://schemas.microsoft.com/office/drawing/2010/main" w="9525">
+                <a:solidFill>
+                  <a:schemeClr val="tx1"/>
+                </a:solidFill>
+                <a:miter lim="800000"/>
+                <a:headEnd/>
+                <a:tailEnd/>
+              </a14:hiddenLine>
+            </a:ext>
+          </a:extLst>
+        </p:spPr>
+      </p:pic>
+    </p:spTree>
+    <p:extLst>
+      <p:ext uri="{BB962C8B-B14F-4D97-AF65-F5344CB8AC3E}">
+        <p14:creationId xmlns:p14="http://schemas.microsoft.com/office/powerpoint/2010/main" val="767163607"/>
+      </p:ext>
+    </p:extLst>
+  </p:cSld>
+  <p:clrMapOvr>
+    <a:masterClrMapping/>
+  </p:clrMapOvr>
 </p:sld>
 </file>
 
@@ -13639,7 +14164,7 @@
   <a:extraClrSchemeLst/>
   <a:extLst>
     <a:ext uri="{05A4C25C-085E-4340-85A3-A5531E510DB2}">
-      <thm15:themeFamily xmlns="" xmlns:thm15="http://schemas.microsoft.com/office/thememl/2012/main" name="Circuit" id="{0AC2F7E7-15F5-431C-B2A2-456FE929F56C}" vid="{14971C58-AB76-4A2A-B231-5F8CA03CF491}"/>
+      <thm15:themeFamily xmlns:thm15="http://schemas.microsoft.com/office/thememl/2012/main" xmlns="" name="Circuit" id="{0AC2F7E7-15F5-431C-B2A2-456FE929F56C}" vid="{14971C58-AB76-4A2A-B231-5F8CA03CF491}"/>
     </a:ext>
   </a:extLst>
 </a:theme>
